--- a/presentations/pptx/08-Classification_methods.pptx
+++ b/presentations/pptx/08-Classification_methods.pptx
@@ -230,7 +230,7 @@
           <a:p>
             <a:fld id="{5C93CA8F-50F8-44B5-B48F-4C4452AC4FCB}" type="datetimeFigureOut">
               <a:rPr lang="he-IL" smtClean="0"/>
-              <a:t>כ"א/תמוז/תשע"ט</a:t>
+              <a:t>ג'/טבת/תש"פ</a:t>
             </a:fld>
             <a:endParaRPr lang="he-IL"/>
           </a:p>
@@ -1154,7 +1154,7 @@
           <a:p>
             <a:fld id="{808B8BE7-FA93-462E-91E9-54E26C408D98}" type="datetime6">
               <a:rPr lang="en-US" smtClean="0"/>
-              <a:t>July 19</a:t>
+              <a:t>December 19</a:t>
             </a:fld>
             <a:endParaRPr lang="en-US" dirty="0"/>
           </a:p>
@@ -1387,7 +1387,7 @@
           <a:p>
             <a:fld id="{0D82CCDA-FC2D-4BA5-90E3-739DC6ED4C30}" type="datetime6">
               <a:rPr lang="en-US" smtClean="0"/>
-              <a:t>July 19</a:t>
+              <a:t>December 19</a:t>
             </a:fld>
             <a:endParaRPr lang="en-US" dirty="0"/>
           </a:p>
@@ -1566,7 +1566,7 @@
           <a:p>
             <a:fld id="{8F88DA83-5073-4626-B6B8-E91A24F45A53}" type="datetime6">
               <a:rPr lang="en-US" smtClean="0"/>
-              <a:t>July 19</a:t>
+              <a:t>December 19</a:t>
             </a:fld>
             <a:endParaRPr lang="en-US" dirty="0"/>
           </a:p>
@@ -1735,7 +1735,7 @@
           <a:p>
             <a:fld id="{EEBDCC4F-2BAB-4EBD-BBEA-01B8D436681A}" type="datetime6">
               <a:rPr lang="en-US" smtClean="0"/>
-              <a:t>July 19</a:t>
+              <a:t>December 19</a:t>
             </a:fld>
             <a:endParaRPr lang="en-US" dirty="0"/>
           </a:p>
@@ -2059,7 +2059,7 @@
           <a:p>
             <a:fld id="{79487F88-0456-4CDE-8B89-4A78647F618A}" type="datetime6">
               <a:rPr lang="en-US" smtClean="0"/>
-              <a:t>July 19</a:t>
+              <a:t>December 19</a:t>
             </a:fld>
             <a:endParaRPr lang="en-US" dirty="0"/>
           </a:p>
@@ -2509,7 +2509,7 @@
           <a:p>
             <a:fld id="{9136D32D-E4FB-4AA6-8422-EE667E33FFC1}" type="datetime6">
               <a:rPr lang="en-US" smtClean="0"/>
-              <a:t>July 19</a:t>
+              <a:t>December 19</a:t>
             </a:fld>
             <a:endParaRPr lang="en-US" dirty="0"/>
           </a:p>
@@ -2942,7 +2942,7 @@
           <a:p>
             <a:fld id="{3AB3EC8A-F822-46B6-826B-CC266009A74B}" type="datetime6">
               <a:rPr lang="en-US" smtClean="0"/>
-              <a:t>July 19</a:t>
+              <a:t>December 19</a:t>
             </a:fld>
             <a:endParaRPr lang="en-US" dirty="0"/>
           </a:p>
@@ -3059,7 +3059,7 @@
           <a:p>
             <a:fld id="{514A54EB-9E75-485B-93FC-08837C33F6A9}" type="datetime6">
               <a:rPr lang="en-US" smtClean="0"/>
-              <a:t>July 19</a:t>
+              <a:t>December 19</a:t>
             </a:fld>
             <a:endParaRPr lang="en-US" dirty="0"/>
           </a:p>
@@ -3153,7 +3153,7 @@
           <a:p>
             <a:fld id="{4187F57E-3EB2-4425-B7C6-E80F41215C16}" type="datetime6">
               <a:rPr lang="en-US" smtClean="0"/>
-              <a:t>July 19</a:t>
+              <a:t>December 19</a:t>
             </a:fld>
             <a:endParaRPr lang="en-US" dirty="0"/>
           </a:p>
@@ -3502,7 +3502,7 @@
           <a:p>
             <a:fld id="{C0AA945B-18EE-4367-BA0C-8D19048BCABE}" type="datetime6">
               <a:rPr lang="en-US" smtClean="0"/>
-              <a:t>July 19</a:t>
+              <a:t>December 19</a:t>
             </a:fld>
             <a:endParaRPr lang="en-US" dirty="0"/>
           </a:p>
@@ -3990,7 +3990,7 @@
           <a:p>
             <a:fld id="{F5D71FBB-8CD4-4D0A-B8C4-65C60609C705}" type="datetime6">
               <a:rPr lang="en-US" smtClean="0"/>
-              <a:t>July 19</a:t>
+              <a:t>December 19</a:t>
             </a:fld>
             <a:endParaRPr lang="en-US" dirty="0"/>
           </a:p>
@@ -4321,7 +4321,7 @@
           <a:p>
             <a:fld id="{CB7DA022-A739-4269-87CF-EB9B0BE787C4}" type="datetime6">
               <a:rPr lang="en-US" smtClean="0"/>
-              <a:t>July 19</a:t>
+              <a:t>December 19</a:t>
             </a:fld>
             <a:endParaRPr lang="en-US" dirty="0"/>
           </a:p>
@@ -4976,8 +4976,12 @@
           <a:lstStyle/>
           <a:p>
             <a:r>
+              <a:rPr lang="en-US"/>
+              <a:t>December </a:t>
+            </a:r>
+            <a:r>
               <a:rPr lang="en-US" dirty="0"/>
-              <a:t>July 2019</a:t>
+              <a:t>2019</a:t>
             </a:r>
             <a:endParaRPr lang="he-IL" dirty="0"/>
           </a:p>
@@ -5115,15 +5119,15 @@
           <a:lstStyle/>
           <a:p>
             <a:r>
-              <a:rPr lang="en-US" dirty="0" smtClean="0"/>
+              <a:rPr lang="en-US" dirty="0"/>
               <a:t>“Under the hood” of LDA</a:t>
             </a:r>
             <a:endParaRPr lang="he-IL" dirty="0"/>
           </a:p>
         </p:txBody>
       </p:sp>
-      <mc:AlternateContent xmlns:mc="http://schemas.openxmlformats.org/markup-compatibility/2006">
-        <mc:Choice xmlns:a14="http://schemas.microsoft.com/office/drawing/2010/main" Requires="a14">
+      <mc:AlternateContent xmlns:mc="http://schemas.openxmlformats.org/markup-compatibility/2006" xmlns:a14="http://schemas.microsoft.com/office/drawing/2010/main">
+        <mc:Choice Requires="a14">
           <p:sp>
             <p:nvSpPr>
               <p:cNvPr id="3" name="Content Placeholder 2"/>
@@ -5145,7 +5149,7 @@
                   </a:lnSpc>
                 </a:pPr>
                 <a:r>
-                  <a:rPr lang="en-US" dirty="0" smtClean="0"/>
+                  <a:rPr lang="en-US" dirty="0"/>
                   <a:t>Let </a:t>
                 </a:r>
                 <a14:m>
@@ -5178,7 +5182,7 @@
                   </m:oMath>
                 </a14:m>
                 <a:r>
-                  <a:rPr lang="en-US" dirty="0" smtClean="0"/>
+                  <a:rPr lang="en-US" dirty="0"/>
                   <a:t> represent the a-priori probability of a </a:t>
                 </a:r>
                 <a14:m>
@@ -5192,7 +5196,7 @@
                   </m:oMath>
                 </a14:m>
                 <a:r>
-                  <a:rPr lang="en-US" dirty="0" smtClean="0"/>
+                  <a:rPr lang="en-US" dirty="0"/>
                   <a:t>-class observation</a:t>
                 </a:r>
               </a:p>
@@ -5203,7 +5207,7 @@
                   </a:lnSpc>
                 </a:pPr>
                 <a:r>
-                  <a:rPr lang="en-US" dirty="0" smtClean="0"/>
+                  <a:rPr lang="en-US" dirty="0"/>
                   <a:t>Let </a:t>
                 </a:r>
                 <a14:m>
@@ -5330,7 +5334,7 @@
                   </m:oMath>
                 </a14:m>
                 <a:r>
-                  <a:rPr lang="en-US" dirty="0" smtClean="0"/>
+                  <a:rPr lang="en-US" dirty="0"/>
                   <a:t> the density function of </a:t>
                 </a:r>
                 <a14:m>
@@ -5344,7 +5348,7 @@
                   </m:oMath>
                 </a14:m>
                 <a:r>
-                  <a:rPr lang="en-US" dirty="0" smtClean="0"/>
+                  <a:rPr lang="en-US" dirty="0"/>
                   <a:t> given classification </a:t>
                 </a:r>
                 <a14:m>
@@ -5357,7 +5361,7 @@
                     </m:r>
                   </m:oMath>
                 </a14:m>
-                <a:endParaRPr lang="en-US" b="0" dirty="0" smtClean="0"/>
+                <a:endParaRPr lang="en-US" b="0" dirty="0"/>
               </a:p>
               <a:p>
                 <a:pPr lvl="1">
@@ -5366,7 +5370,7 @@
                   </a:lnSpc>
                 </a:pPr>
                 <a:r>
-                  <a:rPr lang="en-US" b="0" dirty="0" smtClean="0"/>
+                  <a:rPr lang="en-US" b="0" dirty="0"/>
                   <a:t>I.e., a really small value of </a:t>
                 </a:r>
                 <a14:m>
@@ -5417,7 +5421,7 @@
                   </m:oMath>
                 </a14:m>
                 <a:r>
-                  <a:rPr lang="en-US" b="0" dirty="0" smtClean="0"/>
+                  <a:rPr lang="en-US" b="0" dirty="0"/>
                   <a:t> might indicate that </a:t>
                 </a:r>
                 <a14:m>
@@ -5431,7 +5435,7 @@
                   </m:oMath>
                 </a14:m>
                 <a:r>
-                  <a:rPr lang="en-US" b="0" dirty="0" smtClean="0"/>
+                  <a:rPr lang="en-US" b="0" dirty="0"/>
                   <a:t> doesn’t actually belong to this class</a:t>
                 </a:r>
               </a:p>
@@ -5442,7 +5446,7 @@
                   </a:lnSpc>
                 </a:pPr>
                 <a:r>
-                  <a:rPr lang="en-US" dirty="0" smtClean="0"/>
+                  <a:rPr lang="en-US" dirty="0"/>
                   <a:t>The Bayes theorem, </a:t>
                 </a:r>
                 <a14:m>
@@ -5624,7 +5628,7 @@
                   </m:oMath>
                 </a14:m>
                 <a:r>
-                  <a:rPr lang="en-US" b="0" dirty="0" smtClean="0"/>
+                  <a:rPr lang="en-US" b="0" dirty="0"/>
                   <a:t> can be formulated as:</a:t>
                 </a:r>
               </a:p>
@@ -5644,7 +5648,7 @@
                       <m:sSub>
                         <m:sSubPr>
                           <m:ctrlPr>
-                            <a:rPr lang="en-US" b="0" i="0" smtClean="0">
+                            <a:rPr lang="en-US" b="0" i="1" smtClean="0">
                               <a:latin typeface="Cambria Math" panose="02040503050406030204" pitchFamily="18" charset="0"/>
                             </a:rPr>
                           </m:ctrlPr>
@@ -5675,7 +5679,7 @@
                       <m:d>
                         <m:dPr>
                           <m:ctrlPr>
-                            <a:rPr lang="en-US" b="0" i="0" smtClean="0">
+                            <a:rPr lang="en-US" b="0" i="1" smtClean="0">
                               <a:latin typeface="Cambria Math" panose="02040503050406030204" pitchFamily="18" charset="0"/>
                             </a:rPr>
                           </m:ctrlPr>
@@ -5966,7 +5970,7 @@
                     </m:oMath>
                   </m:oMathPara>
                 </a14:m>
-                <a:endParaRPr lang="en-US" b="0" dirty="0" smtClean="0"/>
+                <a:endParaRPr lang="en-US" b="0" dirty="0"/>
               </a:p>
               <a:p>
                 <a:pPr>
@@ -5975,7 +5979,7 @@
                   </a:lnSpc>
                 </a:pPr>
                 <a:r>
-                  <a:rPr lang="en-US" dirty="0" smtClean="0"/>
+                  <a:rPr lang="en-US" dirty="0"/>
                   <a:t>By setting assumptions on </a:t>
                 </a:r>
                 <a14:m>
@@ -6025,7 +6029,7 @@
                   </m:oMath>
                 </a14:m>
                 <a:r>
-                  <a:rPr lang="en-US" dirty="0" smtClean="0"/>
+                  <a:rPr lang="en-US" dirty="0"/>
                   <a:t> and computing </a:t>
                 </a:r>
                 <a14:m>
@@ -6058,7 +6062,7 @@
                   </m:oMath>
                 </a14:m>
                 <a:r>
-                  <a:rPr lang="en-US" dirty="0" smtClean="0"/>
+                  <a:rPr lang="en-US" dirty="0"/>
                   <a:t> (i.e., from the data) we can quickly derive our goal </a:t>
                 </a:r>
                 <a14:m>
@@ -6107,7 +6111,7 @@
                     </m:d>
                   </m:oMath>
                 </a14:m>
-                <a:endParaRPr lang="en-US" dirty="0" smtClean="0"/>
+                <a:endParaRPr lang="en-US" dirty="0"/>
               </a:p>
               <a:p>
                 <a:pPr>
@@ -6116,7 +6120,7 @@
                   </a:lnSpc>
                 </a:pPr>
                 <a:r>
-                  <a:rPr lang="en-US" dirty="0" smtClean="0"/>
+                  <a:rPr lang="en-US" dirty="0"/>
                   <a:t>We assign the class for which </a:t>
                 </a:r>
                 <a14:m>
@@ -6166,7 +6170,7 @@
                   </m:oMath>
                 </a14:m>
                 <a:r>
-                  <a:rPr lang="en-US" dirty="0" smtClean="0"/>
+                  <a:rPr lang="en-US" dirty="0"/>
                   <a:t> is the maximal</a:t>
                 </a:r>
                 <a:endParaRPr lang="he-IL" dirty="0"/>
@@ -6174,7 +6178,7 @@
             </p:txBody>
           </p:sp>
         </mc:Choice>
-        <mc:Fallback>
+        <mc:Fallback xmlns="">
           <p:sp>
             <p:nvSpPr>
               <p:cNvPr id="3" name="Content Placeholder 2"/>
@@ -6224,7 +6228,7 @@
           <a:lstStyle/>
           <a:p>
             <a:r>
-              <a:rPr lang="en-US" smtClean="0"/>
+              <a:rPr lang="en-US"/>
               <a:t>Materials by Adi Sarid https://adisarid.github.io and http://www.sarid-ins.com</a:t>
             </a:r>
             <a:endParaRPr lang="en-US" dirty="0"/>
@@ -6284,8 +6288,8 @@
           <a:chExt cx="0" cy="0"/>
         </a:xfrm>
       </p:grpSpPr>
-      <mc:AlternateContent xmlns:mc="http://schemas.openxmlformats.org/markup-compatibility/2006">
-        <mc:Choice xmlns:a14="http://schemas.microsoft.com/office/drawing/2010/main" Requires="a14">
+      <mc:AlternateContent xmlns:mc="http://schemas.openxmlformats.org/markup-compatibility/2006" xmlns:a14="http://schemas.microsoft.com/office/drawing/2010/main">
+        <mc:Choice Requires="a14">
           <p:sp>
             <p:nvSpPr>
               <p:cNvPr id="2" name="Title 1"/>
@@ -6302,7 +6306,7 @@
               <a:lstStyle/>
               <a:p>
                 <a:r>
-                  <a:rPr lang="en-US" dirty="0" smtClean="0"/>
+                  <a:rPr lang="en-US" dirty="0"/>
                   <a:t>The distribution of </a:t>
                 </a:r>
                 <a14:m>
@@ -6320,7 +6324,7 @@
             </p:txBody>
           </p:sp>
         </mc:Choice>
-        <mc:Fallback>
+        <mc:Fallback xmlns="">
           <p:sp>
             <p:nvSpPr>
               <p:cNvPr id="2" name="Title 1"/>
@@ -6354,8 +6358,8 @@
           </p:sp>
         </mc:Fallback>
       </mc:AlternateContent>
-      <mc:AlternateContent xmlns:mc="http://schemas.openxmlformats.org/markup-compatibility/2006">
-        <mc:Choice xmlns:a14="http://schemas.microsoft.com/office/drawing/2010/main" Requires="a14">
+      <mc:AlternateContent xmlns:mc="http://schemas.openxmlformats.org/markup-compatibility/2006" xmlns:a14="http://schemas.microsoft.com/office/drawing/2010/main">
+        <mc:Choice Requires="a14">
           <p:sp>
             <p:nvSpPr>
               <p:cNvPr id="3" name="Content Placeholder 2"/>
@@ -6375,7 +6379,7 @@
                   <a:buNone/>
                 </a:pPr>
                 <a:r>
-                  <a:rPr lang="en-US" b="0" dirty="0" smtClean="0">
+                  <a:rPr lang="en-US" b="0" dirty="0">
                     <a:latin typeface="Cambria Math" panose="02040503050406030204" pitchFamily="18" charset="0"/>
                   </a:rPr>
                   <a:t>The density of X is determined by the following function (by assumption):</a:t>
@@ -6385,7 +6389,7 @@
                 <a:pPr marL="0" indent="0">
                   <a:buNone/>
                 </a:pPr>
-                <a:endParaRPr lang="en-US" b="0" dirty="0" smtClean="0">
+                <a:endParaRPr lang="en-US" b="0" dirty="0">
                   <a:latin typeface="Cambria Math" panose="02040503050406030204" pitchFamily="18" charset="0"/>
                 </a:endParaRPr>
               </a:p>
@@ -6489,13 +6493,7 @@
                                 <a:rPr lang="en-US" b="0" i="1" smtClean="0">
                                   <a:latin typeface="Cambria Math" panose="02040503050406030204" pitchFamily="18" charset="0"/>
                                 </a:rPr>
-                                <m:t>/</m:t>
-                              </m:r>
-                              <m:r>
-                                <a:rPr lang="en-US" b="0" i="1" smtClean="0">
-                                  <a:latin typeface="Cambria Math" panose="02040503050406030204" pitchFamily="18" charset="0"/>
-                                </a:rPr>
-                                <m:t>2</m:t>
+                                <m:t>/2</m:t>
                               </m:r>
                             </m:sup>
                           </m:sSup>
@@ -6536,19 +6534,7 @@
                                 <a:rPr lang="en-US" b="0" i="1" smtClean="0">
                                   <a:latin typeface="Cambria Math" panose="02040503050406030204" pitchFamily="18" charset="0"/>
                                 </a:rPr>
-                                <m:t>1</m:t>
-                              </m:r>
-                              <m:r>
-                                <a:rPr lang="en-US" b="0" i="1" smtClean="0">
-                                  <a:latin typeface="Cambria Math" panose="02040503050406030204" pitchFamily="18" charset="0"/>
-                                </a:rPr>
-                                <m:t>/</m:t>
-                              </m:r>
-                              <m:r>
-                                <a:rPr lang="en-US" b="0" i="1" smtClean="0">
-                                  <a:latin typeface="Cambria Math" panose="02040503050406030204" pitchFamily="18" charset="0"/>
-                                </a:rPr>
-                                <m:t>2</m:t>
+                                <m:t>1/2</m:t>
                               </m:r>
                             </m:sup>
                           </m:sSup>
@@ -6686,13 +6672,7 @@
                                     <a:rPr lang="en-US" b="0" i="1" smtClean="0">
                                       <a:latin typeface="Cambria Math" panose="02040503050406030204" pitchFamily="18" charset="0"/>
                                     </a:rPr>
-                                    <m:t>−</m:t>
-                                  </m:r>
-                                  <m:r>
-                                    <a:rPr lang="en-US" b="0" i="1" smtClean="0">
-                                      <a:latin typeface="Cambria Math" panose="02040503050406030204" pitchFamily="18" charset="0"/>
-                                    </a:rPr>
-                                    <m:t>1</m:t>
+                                    <m:t>−1</m:t>
                                   </m:r>
                                 </m:sup>
                               </m:sSup>
@@ -6727,20 +6707,20 @@
                     </m:oMath>
                   </m:oMathPara>
                 </a14:m>
-                <a:endParaRPr lang="en-US" dirty="0" smtClean="0"/>
+                <a:endParaRPr lang="en-US" dirty="0"/>
               </a:p>
               <a:p>
                 <a:pPr marL="0" indent="0">
                   <a:buNone/>
                 </a:pPr>
-                <a:endParaRPr lang="en-US" dirty="0" smtClean="0"/>
+                <a:endParaRPr lang="en-US" dirty="0"/>
               </a:p>
               <a:p>
                 <a:pPr marL="0" indent="0">
                   <a:buNone/>
                 </a:pPr>
                 <a:r>
-                  <a:rPr lang="en-US" dirty="0" smtClean="0"/>
+                  <a:rPr lang="en-US" dirty="0"/>
                   <a:t>The is referred to as multivariate Gaussian (normal) distribution, i.e.: </a:t>
                 </a:r>
                 <a14:m>
@@ -6811,7 +6791,7 @@
                   <a:buNone/>
                 </a:pPr>
                 <a:r>
-                  <a:rPr lang="en-US" dirty="0" smtClean="0"/>
+                  <a:rPr lang="en-US" dirty="0"/>
                   <a:t>Where </a:t>
                 </a:r>
                 <a14:m>
@@ -6856,7 +6836,7 @@
                   </m:oMath>
                 </a14:m>
                 <a:r>
-                  <a:rPr lang="en-US" dirty="0" smtClean="0"/>
+                  <a:rPr lang="en-US" dirty="0"/>
                   <a:t> (mean of </a:t>
                 </a:r>
                 <a14:m>
@@ -6870,7 +6850,7 @@
                   </m:oMath>
                 </a14:m>
                 <a:r>
-                  <a:rPr lang="en-US" dirty="0" smtClean="0"/>
+                  <a:rPr lang="en-US" dirty="0"/>
                   <a:t> components) and </a:t>
                 </a:r>
                 <a14:m>
@@ -6936,7 +6916,7 @@
                         <m:begChr m:val="["/>
                         <m:endChr m:val="]"/>
                         <m:ctrlPr>
-                          <a:rPr lang="en-US" b="0" i="0" smtClean="0">
+                          <a:rPr lang="en-US" b="0" i="1" smtClean="0">
                             <a:latin typeface="Cambria Math" panose="02040503050406030204" pitchFamily="18" charset="0"/>
                           </a:rPr>
                         </m:ctrlPr>
@@ -6954,7 +6934,7 @@
                             <m:d>
                               <m:dPr>
                                 <m:ctrlPr>
-                                  <a:rPr lang="en-US" b="0" i="0" smtClean="0">
+                                  <a:rPr lang="en-US" b="0" i="1" smtClean="0">
                                     <a:latin typeface="Cambria Math" panose="02040503050406030204" pitchFamily="18" charset="0"/>
                                   </a:rPr>
                                 </m:ctrlPr>
@@ -7064,7 +7044,7 @@
                     </m:d>
                   </m:oMath>
                 </a14:m>
-                <a:endParaRPr lang="en-US" dirty="0" smtClean="0"/>
+                <a:endParaRPr lang="en-US" dirty="0"/>
               </a:p>
               <a:p>
                 <a:pPr marL="0" indent="0">
@@ -7077,7 +7057,7 @@
                   <a:buNone/>
                 </a:pPr>
                 <a:r>
-                  <a:rPr lang="en-US" dirty="0" smtClean="0"/>
+                  <a:rPr lang="en-US" dirty="0"/>
                   <a:t>In the LDA the </a:t>
                 </a:r>
                 <a14:m>
@@ -7094,7 +7074,7 @@
                   </m:oMath>
                 </a14:m>
                 <a:r>
-                  <a:rPr lang="en-US" dirty="0" smtClean="0"/>
+                  <a:rPr lang="en-US" dirty="0"/>
                   <a:t> is shared among all </a:t>
                 </a:r>
                 <a14:m>
@@ -7108,7 +7088,7 @@
                   </m:oMath>
                 </a14:m>
                 <a:r>
-                  <a:rPr lang="en-US" dirty="0" smtClean="0"/>
+                  <a:rPr lang="en-US" dirty="0"/>
                   <a:t> classes.</a:t>
                 </a:r>
                 <a:endParaRPr lang="he-IL" dirty="0"/>
@@ -7116,7 +7096,7 @@
             </p:txBody>
           </p:sp>
         </mc:Choice>
-        <mc:Fallback>
+        <mc:Fallback xmlns="">
           <p:sp>
             <p:nvSpPr>
               <p:cNvPr id="3" name="Content Placeholder 2"/>
@@ -7166,7 +7146,7 @@
           <a:lstStyle/>
           <a:p>
             <a:r>
-              <a:rPr lang="en-US" smtClean="0"/>
+              <a:rPr lang="en-US"/>
               <a:t>Materials by Adi Sarid https://adisarid.github.io and http://www.sarid-ins.com</a:t>
             </a:r>
             <a:endParaRPr lang="en-US" dirty="0"/>
@@ -7242,15 +7222,15 @@
           <a:lstStyle/>
           <a:p>
             <a:r>
-              <a:rPr lang="en-US" dirty="0" smtClean="0"/>
+              <a:rPr lang="en-US" dirty="0"/>
               <a:t>The classifier</a:t>
             </a:r>
             <a:endParaRPr lang="he-IL" dirty="0"/>
           </a:p>
         </p:txBody>
       </p:sp>
-      <mc:AlternateContent xmlns:mc="http://schemas.openxmlformats.org/markup-compatibility/2006">
-        <mc:Choice xmlns:a14="http://schemas.microsoft.com/office/drawing/2010/main" Requires="a14">
+      <mc:AlternateContent xmlns:mc="http://schemas.openxmlformats.org/markup-compatibility/2006" xmlns:a14="http://schemas.microsoft.com/office/drawing/2010/main">
+        <mc:Choice Requires="a14">
           <p:sp>
             <p:nvSpPr>
               <p:cNvPr id="3" name="Content Placeholder 2"/>
@@ -7272,7 +7252,7 @@
                   </a:lnSpc>
                 </a:pPr>
                 <a:r>
-                  <a:rPr lang="en-US" dirty="0" smtClean="0"/>
+                  <a:rPr lang="en-US" dirty="0"/>
                   <a:t>By setting the density </a:t>
                 </a:r>
                 <a14:m>
@@ -7303,7 +7283,7 @@
                   </m:oMath>
                 </a14:m>
                 <a:r>
-                  <a:rPr lang="en-US" dirty="0" smtClean="0"/>
+                  <a:rPr lang="en-US" dirty="0"/>
                   <a:t> into our classifier </a:t>
                 </a:r>
                 <a14:m>
@@ -7354,7 +7334,7 @@
                   </m:oMath>
                 </a14:m>
                 <a:r>
-                  <a:rPr lang="en-US" dirty="0" smtClean="0"/>
+                  <a:rPr lang="en-US" dirty="0"/>
                   <a:t> and taking log, we can reach the following classifier:</a:t>
                 </a:r>
               </a:p>
@@ -7682,7 +7662,7 @@
                     </m:oMath>
                   </m:oMathPara>
                 </a14:m>
-                <a:endParaRPr lang="en-US" dirty="0" smtClean="0"/>
+                <a:endParaRPr lang="en-US" dirty="0"/>
               </a:p>
               <a:p>
                 <a:pPr marL="0" indent="0">
@@ -7692,7 +7672,7 @@
                   <a:buNone/>
                 </a:pPr>
                 <a:r>
-                  <a:rPr lang="en-US" dirty="0" smtClean="0"/>
+                  <a:rPr lang="en-US" dirty="0"/>
                   <a:t>The classification of an observation </a:t>
                 </a:r>
                 <a14:m>
@@ -7706,7 +7686,7 @@
                   </m:oMath>
                 </a14:m>
                 <a:r>
-                  <a:rPr lang="en-US" dirty="0" smtClean="0"/>
+                  <a:rPr lang="en-US" dirty="0"/>
                   <a:t> is </a:t>
                 </a:r>
                 <a14:m>
@@ -7796,7 +7776,7 @@
                     </m:r>
                   </m:oMath>
                 </a14:m>
-                <a:endParaRPr lang="en-US" dirty="0" smtClean="0"/>
+                <a:endParaRPr lang="en-US" dirty="0"/>
               </a:p>
               <a:p>
                 <a:pPr marL="0" indent="0">
@@ -7806,7 +7786,7 @@
                   <a:buNone/>
                 </a:pPr>
                 <a:r>
-                  <a:rPr lang="en-US" dirty="0" smtClean="0"/>
+                  <a:rPr lang="en-US" dirty="0"/>
                   <a:t>This classifier is linear in </a:t>
                 </a:r>
                 <a14:m>
@@ -7820,15 +7800,15 @@
                   </m:oMath>
                 </a14:m>
                 <a:r>
-                  <a:rPr lang="en-US" dirty="0" smtClean="0"/>
+                  <a:rPr lang="en-US" dirty="0"/>
                   <a:t>, hence the term </a:t>
                 </a:r>
                 <a:r>
-                  <a:rPr lang="en-US" b="1" dirty="0" smtClean="0"/>
+                  <a:rPr lang="en-US" b="1" dirty="0"/>
                   <a:t>Linear</a:t>
                 </a:r>
                 <a:r>
-                  <a:rPr lang="en-US" dirty="0" smtClean="0"/>
+                  <a:rPr lang="en-US" dirty="0"/>
                   <a:t> discriminant analysis</a:t>
                 </a:r>
                 <a:endParaRPr lang="he-IL" dirty="0"/>
@@ -7836,7 +7816,7 @@
             </p:txBody>
           </p:sp>
         </mc:Choice>
-        <mc:Fallback>
+        <mc:Fallback xmlns="">
           <p:sp>
             <p:nvSpPr>
               <p:cNvPr id="3" name="Content Placeholder 2"/>
@@ -7886,7 +7866,7 @@
           <a:lstStyle/>
           <a:p>
             <a:r>
-              <a:rPr lang="en-US" smtClean="0"/>
+              <a:rPr lang="en-US"/>
               <a:t>Materials by Adi Sarid https://adisarid.github.io and http://www.sarid-ins.com</a:t>
             </a:r>
             <a:endParaRPr lang="en-US" dirty="0"/>
@@ -7962,15 +7942,15 @@
           <a:lstStyle/>
           <a:p>
             <a:r>
-              <a:rPr lang="en-US" dirty="0" smtClean="0"/>
+              <a:rPr lang="en-US" dirty="0"/>
               <a:t>Quadratic discriminant analysis</a:t>
             </a:r>
             <a:endParaRPr lang="he-IL" dirty="0"/>
           </a:p>
         </p:txBody>
       </p:sp>
-      <mc:AlternateContent xmlns:mc="http://schemas.openxmlformats.org/markup-compatibility/2006">
-        <mc:Choice xmlns:a14="http://schemas.microsoft.com/office/drawing/2010/main" Requires="a14">
+      <mc:AlternateContent xmlns:mc="http://schemas.openxmlformats.org/markup-compatibility/2006" xmlns:a14="http://schemas.microsoft.com/office/drawing/2010/main">
+        <mc:Choice Requires="a14">
           <p:sp>
             <p:nvSpPr>
               <p:cNvPr id="3" name="Content Placeholder 2"/>
@@ -7992,7 +7972,7 @@
                   </a:lnSpc>
                 </a:pPr>
                 <a:r>
-                  <a:rPr lang="en-US" dirty="0" smtClean="0"/>
+                  <a:rPr lang="en-US" dirty="0"/>
                   <a:t>In the LDA we assumed that </a:t>
                 </a:r>
                 <a14:m>
@@ -8009,7 +7989,7 @@
                   </m:oMath>
                 </a14:m>
                 <a:r>
-                  <a:rPr lang="en-US" dirty="0" smtClean="0"/>
+                  <a:rPr lang="en-US" dirty="0"/>
                   <a:t> is identical for all classes, however, it might be different between classes</a:t>
                 </a:r>
               </a:p>
@@ -8020,7 +8000,7 @@
                   </a:lnSpc>
                 </a:pPr>
                 <a:r>
-                  <a:rPr lang="en-US" dirty="0" smtClean="0"/>
+                  <a:rPr lang="en-US" dirty="0"/>
                   <a:t>If we relax that assumption, we will now have </a:t>
                 </a:r>
                 <a14:m>
@@ -8056,7 +8036,7 @@
                   </m:oMath>
                 </a14:m>
                 <a:r>
-                  <a:rPr lang="en-US" dirty="0" smtClean="0"/>
+                  <a:rPr lang="en-US" dirty="0"/>
                   <a:t> for each class.</a:t>
                 </a:r>
               </a:p>
@@ -8067,7 +8047,7 @@
                   </a:lnSpc>
                 </a:pPr>
                 <a:r>
-                  <a:rPr lang="en-US" dirty="0" smtClean="0"/>
+                  <a:rPr lang="en-US" dirty="0"/>
                   <a:t>The algebra is a bit more complex but the classifier becomes:</a:t>
                 </a:r>
               </a:p>
@@ -8464,7 +8444,7 @@
                     </m:oMath>
                   </m:oMathPara>
                 </a14:m>
-                <a:endParaRPr lang="en-US" dirty="0" smtClean="0"/>
+                <a:endParaRPr lang="en-US" dirty="0"/>
               </a:p>
               <a:p>
                 <a:pPr marL="0" indent="0">
@@ -8474,7 +8454,7 @@
                   <a:buNone/>
                 </a:pPr>
                 <a:r>
-                  <a:rPr lang="en-US" dirty="0" smtClean="0"/>
+                  <a:rPr lang="en-US" dirty="0"/>
                   <a:t>Note that this classifier has a quadratic </a:t>
                 </a:r>
                 <a14:m>
@@ -8488,7 +8468,7 @@
                   </m:oMath>
                 </a14:m>
                 <a:r>
-                  <a:rPr lang="en-US" dirty="0" smtClean="0"/>
+                  <a:rPr lang="en-US" dirty="0"/>
                   <a:t>, hence the name of QDA</a:t>
                 </a:r>
                 <a:endParaRPr lang="he-IL" dirty="0"/>
@@ -8496,7 +8476,7 @@
             </p:txBody>
           </p:sp>
         </mc:Choice>
-        <mc:Fallback>
+        <mc:Fallback xmlns="">
           <p:sp>
             <p:nvSpPr>
               <p:cNvPr id="3" name="Content Placeholder 2"/>
@@ -8546,7 +8526,7 @@
           <a:lstStyle/>
           <a:p>
             <a:r>
-              <a:rPr lang="en-US" smtClean="0"/>
+              <a:rPr lang="en-US"/>
               <a:t>Materials by Adi Sarid https://adisarid.github.io and http://www.sarid-ins.com</a:t>
             </a:r>
             <a:endParaRPr lang="en-US" dirty="0"/>
@@ -8622,22 +8602,22 @@
           <a:lstStyle/>
           <a:p>
             <a:r>
-              <a:rPr lang="en-US" dirty="0" smtClean="0"/>
+              <a:rPr lang="en-US" dirty="0"/>
               <a:t>Discriminant analysis vs. </a:t>
             </a:r>
             <a:br>
-              <a:rPr lang="en-US" dirty="0" smtClean="0"/>
+              <a:rPr lang="en-US" dirty="0"/>
             </a:br>
             <a:r>
-              <a:rPr lang="en-US" dirty="0" smtClean="0"/>
+              <a:rPr lang="en-US" dirty="0"/>
               <a:t>Logistic Regression</a:t>
             </a:r>
             <a:endParaRPr lang="he-IL" dirty="0"/>
           </a:p>
         </p:txBody>
       </p:sp>
-      <mc:AlternateContent xmlns:mc="http://schemas.openxmlformats.org/markup-compatibility/2006">
-        <mc:Choice xmlns:a14="http://schemas.microsoft.com/office/drawing/2010/main" Requires="a14">
+      <mc:AlternateContent xmlns:mc="http://schemas.openxmlformats.org/markup-compatibility/2006" xmlns:a14="http://schemas.microsoft.com/office/drawing/2010/main">
+        <mc:Choice Requires="a14">
           <p:sp>
             <p:nvSpPr>
               <p:cNvPr id="7" name="Content Placeholder 6"/>
@@ -8667,7 +8647,7 @@
                   <a:buNone/>
                 </a:pPr>
                 <a:r>
-                  <a:rPr lang="en-US" dirty="0" smtClean="0"/>
+                  <a:rPr lang="en-US" dirty="0"/>
                   <a:t>LDA/QDA compared to logistic regression</a:t>
                 </a:r>
               </a:p>
@@ -8678,11 +8658,11 @@
                   </a:lnSpc>
                 </a:pPr>
                 <a:r>
-                  <a:rPr lang="en-US" dirty="0" smtClean="0"/>
+                  <a:rPr lang="en-US" dirty="0"/>
                   <a:t>More stable in cases where the data is </a:t>
                 </a:r>
                 <a:r>
-                  <a:rPr lang="en-US" i="1" dirty="0" smtClean="0"/>
+                  <a:rPr lang="en-US" i="1" dirty="0"/>
                   <a:t>separable</a:t>
                 </a:r>
               </a:p>
@@ -8693,15 +8673,15 @@
                   </a:lnSpc>
                 </a:pPr>
                 <a:r>
-                  <a:rPr lang="en-US" dirty="0" smtClean="0"/>
+                  <a:rPr lang="en-US" dirty="0"/>
                   <a:t>With small </a:t>
                 </a:r>
                 <a:r>
-                  <a:rPr lang="en-US" i="1" dirty="0" smtClean="0"/>
+                  <a:rPr lang="en-US" i="1" dirty="0"/>
                   <a:t>n</a:t>
                 </a:r>
                 <a:r>
-                  <a:rPr lang="en-US" dirty="0" smtClean="0"/>
+                  <a:rPr lang="en-US" dirty="0"/>
                   <a:t> and normally distributed </a:t>
                 </a:r>
                 <a14:m>
@@ -8715,10 +8695,9 @@
                   </m:oMath>
                 </a14:m>
                 <a:r>
-                  <a:rPr lang="en-US" dirty="0" smtClean="0"/>
+                  <a:rPr lang="en-US" dirty="0"/>
                   <a:t> – LDA tends to outperform linear regression</a:t>
                 </a:r>
-                <a:endParaRPr lang="en-US" dirty="0"/>
               </a:p>
               <a:p>
                 <a:pPr>
@@ -8728,11 +8707,7 @@
                 </a:pPr>
                 <a:r>
                   <a:rPr lang="en-US" dirty="0"/>
-                  <a:t>More </a:t>
-                </a:r>
-                <a:r>
-                  <a:rPr lang="en-US" dirty="0" smtClean="0"/>
-                  <a:t>popular when we have a multi-response </a:t>
+                  <a:t>More popular when we have a multi-response </a:t>
                 </a:r>
                 <a14:m>
                   <m:oMath xmlns:m="http://schemas.openxmlformats.org/officeDocument/2006/math">
@@ -8744,7 +8719,7 @@
                     </m:r>
                   </m:oMath>
                 </a14:m>
-                <a:endParaRPr lang="en-US" dirty="0" smtClean="0"/>
+                <a:endParaRPr lang="en-US" dirty="0"/>
               </a:p>
               <a:p>
                 <a:pPr>
@@ -8753,7 +8728,7 @@
                   </a:lnSpc>
                 </a:pPr>
                 <a:r>
-                  <a:rPr lang="en-US" dirty="0" smtClean="0"/>
+                  <a:rPr lang="en-US" dirty="0"/>
                   <a:t>Provides a more complex representation of the relationships between the </a:t>
                 </a:r>
                 <a14:m>
@@ -8767,7 +8742,7 @@
                   </m:oMath>
                 </a14:m>
                 <a:r>
-                  <a:rPr lang="en-US" dirty="0" smtClean="0"/>
+                  <a:rPr lang="en-US" dirty="0"/>
                   <a:t> variables</a:t>
                 </a:r>
               </a:p>
@@ -8778,7 +8753,7 @@
                   </a:lnSpc>
                 </a:pPr>
                 <a:r>
-                  <a:rPr lang="en-US" dirty="0" smtClean="0"/>
+                  <a:rPr lang="en-US" dirty="0"/>
                   <a:t>Logistic regression is easier to interpret and analyze</a:t>
                 </a:r>
               </a:p>
@@ -8789,7 +8764,7 @@
                   </a:lnSpc>
                 </a:pPr>
                 <a:r>
-                  <a:rPr lang="en-US" dirty="0" smtClean="0"/>
+                  <a:rPr lang="en-US" dirty="0"/>
                   <a:t>Logistic regression works better with factors (LDA/QDA assume normality)</a:t>
                 </a:r>
                 <a:endParaRPr lang="he-IL" dirty="0"/>
@@ -8797,7 +8772,7 @@
             </p:txBody>
           </p:sp>
         </mc:Choice>
-        <mc:Fallback>
+        <mc:Fallback xmlns="">
           <p:sp>
             <p:nvSpPr>
               <p:cNvPr id="7" name="Content Placeholder 6"/>
@@ -8851,7 +8826,7 @@
           <a:lstStyle/>
           <a:p>
             <a:r>
-              <a:rPr lang="en-US" smtClean="0"/>
+              <a:rPr lang="en-US"/>
               <a:t>Materials by Adi Sarid https://adisarid.github.io and http://www.sarid-ins.com</a:t>
             </a:r>
             <a:endParaRPr lang="en-US" dirty="0"/>
@@ -8930,26 +8905,22 @@
           <a:lstStyle/>
           <a:p>
             <a:r>
-              <a:rPr lang="en-US" sz="4000" dirty="0" smtClean="0"/>
+              <a:rPr lang="en-US" sz="4000" dirty="0"/>
               <a:t>LDA vs. QDA </a:t>
             </a:r>
             <a:br>
-              <a:rPr lang="en-US" sz="4000" dirty="0" smtClean="0"/>
+              <a:rPr lang="en-US" sz="4000" dirty="0"/>
             </a:br>
             <a:r>
               <a:rPr lang="en-US" sz="4000" dirty="0"/>
-              <a:t>(</a:t>
-            </a:r>
-            <a:r>
-              <a:rPr lang="en-US" sz="4000" dirty="0" smtClean="0"/>
-              <a:t>Bias-variance tradeoff)</a:t>
+              <a:t>(Bias-variance tradeoff)</a:t>
             </a:r>
             <a:endParaRPr lang="he-IL" sz="4000" dirty="0"/>
           </a:p>
         </p:txBody>
       </p:sp>
-      <mc:AlternateContent xmlns:mc="http://schemas.openxmlformats.org/markup-compatibility/2006">
-        <mc:Choice xmlns:a14="http://schemas.microsoft.com/office/drawing/2010/main" Requires="a14">
+      <mc:AlternateContent xmlns:mc="http://schemas.openxmlformats.org/markup-compatibility/2006" xmlns:a14="http://schemas.microsoft.com/office/drawing/2010/main">
+        <mc:Choice Requires="a14">
           <p:sp>
             <p:nvSpPr>
               <p:cNvPr id="7" name="Content Placeholder 6"/>
@@ -8979,7 +8950,7 @@
                   <a:buNone/>
                 </a:pPr>
                 <a:r>
-                  <a:rPr lang="en-US" dirty="0" smtClean="0"/>
+                  <a:rPr lang="en-US" dirty="0"/>
                   <a:t>In QDA we estimate more parameters (the </a:t>
                 </a:r>
                 <a14:m>
@@ -9015,7 +8986,7 @@
                   </m:oMath>
                 </a14:m>
                 <a:r>
-                  <a:rPr lang="en-US" dirty="0" smtClean="0"/>
+                  <a:rPr lang="en-US" dirty="0"/>
                   <a:t>’s), hence</a:t>
                 </a:r>
               </a:p>
@@ -9027,7 +8998,7 @@
                   <a:buNone/>
                 </a:pPr>
                 <a:r>
-                  <a:rPr lang="en-US" dirty="0" smtClean="0"/>
+                  <a:rPr lang="en-US" dirty="0"/>
                   <a:t>QDA has a lower bias but a higher variance than LDA</a:t>
                 </a:r>
               </a:p>
@@ -9039,7 +9010,7 @@
                   <a:buNone/>
                 </a:pPr>
                 <a:r>
-                  <a:rPr lang="en-US" dirty="0" smtClean="0"/>
+                  <a:rPr lang="en-US" dirty="0"/>
                   <a:t>If the assumption of a common variance matrix is “off” than LDA will be less accurate than QDA due to its bias</a:t>
                 </a:r>
               </a:p>
@@ -9051,7 +9022,7 @@
                   <a:buNone/>
                 </a:pPr>
                 <a:r>
-                  <a:rPr lang="en-US" dirty="0" smtClean="0"/>
+                  <a:rPr lang="en-US" dirty="0"/>
                   <a:t>If you have a lot of observations, than QDA is safer to use</a:t>
                 </a:r>
               </a:p>
@@ -9062,7 +9033,7 @@
                   </a:lnSpc>
                   <a:buNone/>
                 </a:pPr>
-                <a:endParaRPr lang="en-US" dirty="0" smtClean="0"/>
+                <a:endParaRPr lang="en-US" dirty="0"/>
               </a:p>
               <a:p>
                 <a:pPr marL="0" indent="0">
@@ -9073,18 +9044,14 @@
                 </a:pPr>
                 <a:r>
                   <a:rPr lang="en-US" dirty="0"/>
-                  <a:t>(</a:t>
-                </a:r>
-                <a:r>
-                  <a:rPr lang="en-US" dirty="0" smtClean="0"/>
-                  <a:t>But, try both, decide by performance on test set…)</a:t>
+                  <a:t>(But, try both, decide by performance on test set…)</a:t>
                 </a:r>
                 <a:endParaRPr lang="he-IL" dirty="0"/>
               </a:p>
             </p:txBody>
           </p:sp>
         </mc:Choice>
-        <mc:Fallback>
+        <mc:Fallback xmlns="">
           <p:sp>
             <p:nvSpPr>
               <p:cNvPr id="7" name="Content Placeholder 6"/>
@@ -9138,7 +9105,7 @@
           <a:lstStyle/>
           <a:p>
             <a:r>
-              <a:rPr lang="en-US" smtClean="0"/>
+              <a:rPr lang="en-US"/>
               <a:t>Materials by Adi Sarid https://adisarid.github.io and http://www.sarid-ins.com</a:t>
             </a:r>
             <a:endParaRPr lang="en-US" dirty="0"/>
@@ -9215,7 +9182,7 @@
           <a:lstStyle/>
           <a:p>
             <a:r>
-              <a:rPr lang="en-US" dirty="0" smtClean="0"/>
+              <a:rPr lang="en-US" dirty="0"/>
               <a:t>Summary quiz</a:t>
             </a:r>
             <a:endParaRPr lang="he-IL" dirty="0"/>
@@ -9238,7 +9205,7 @@
           <a:lstStyle/>
           <a:p>
             <a:r>
-              <a:rPr lang="en-US" dirty="0" smtClean="0"/>
+              <a:rPr lang="en-US" dirty="0"/>
               <a:t>What method would you use to predict each of these scenarios? why?</a:t>
             </a:r>
             <a:endParaRPr lang="he-IL" dirty="0"/>
@@ -9261,7 +9228,7 @@
           <a:lstStyle/>
           <a:p>
             <a:r>
-              <a:rPr lang="en-US" smtClean="0"/>
+              <a:rPr lang="en-US"/>
               <a:t>Materials by Adi Sarid https://adisarid.github.io and http://www.sarid-ins.com</a:t>
             </a:r>
             <a:endParaRPr lang="en-US" dirty="0"/>
@@ -9437,7 +9404,7 @@
           <a:lstStyle/>
           <a:p>
             <a:r>
-              <a:rPr lang="en-US" dirty="0" smtClean="0"/>
+              <a:rPr lang="en-US" dirty="0"/>
               <a:t>Yet another question…</a:t>
             </a:r>
             <a:endParaRPr lang="he-IL" dirty="0"/>
@@ -9465,7 +9432,7 @@
               </a:lnSpc>
             </a:pPr>
             <a:r>
-              <a:rPr lang="en-US" dirty="0" smtClean="0"/>
+              <a:rPr lang="en-US" dirty="0"/>
               <a:t>Would LDA/QDA fit for training on a dataset which was extremely unbalanced originally but has been modified to be balanced (by over-sampling specific classes)?</a:t>
             </a:r>
           </a:p>
@@ -9476,7 +9443,7 @@
               </a:lnSpc>
             </a:pPr>
             <a:r>
-              <a:rPr lang="en-US" dirty="0" smtClean="0"/>
+              <a:rPr lang="en-US" dirty="0"/>
               <a:t>Explain why.</a:t>
             </a:r>
             <a:endParaRPr lang="he-IL" dirty="0"/>
@@ -9499,7 +9466,7 @@
           <a:lstStyle/>
           <a:p>
             <a:r>
-              <a:rPr lang="en-US" smtClean="0"/>
+              <a:rPr lang="en-US"/>
               <a:t>Materials by Adi Sarid https://adisarid.github.io and http://www.sarid-ins.com</a:t>
             </a:r>
             <a:endParaRPr lang="en-US" dirty="0"/>
@@ -10673,7 +10640,7 @@
           <a:p>
             <a:pPr algn="ctr"/>
             <a:r>
-              <a:rPr lang="en-US" dirty="0" smtClean="0"/>
+              <a:rPr lang="en-US" dirty="0"/>
               <a:t>ROC/AUC</a:t>
             </a:r>
             <a:endParaRPr lang="he-IL" dirty="0"/>
@@ -10751,7 +10718,7 @@
           <a:p>
             <a:pPr algn="ctr"/>
             <a:r>
-              <a:rPr lang="en-US" dirty="0" smtClean="0"/>
+              <a:rPr lang="en-US" dirty="0"/>
               <a:t>Trees, Forests, Boosting, etc.</a:t>
             </a:r>
             <a:endParaRPr lang="he-IL" dirty="0"/>
@@ -11938,7 +11905,7 @@
           <a:p>
             <a:pPr algn="ctr"/>
             <a:r>
-              <a:rPr lang="en-US" dirty="0" smtClean="0"/>
+              <a:rPr lang="en-US" dirty="0"/>
               <a:t>ROC/AUC</a:t>
             </a:r>
             <a:endParaRPr lang="he-IL" dirty="0"/>
@@ -12016,7 +11983,7 @@
           <a:p>
             <a:pPr algn="ctr"/>
             <a:r>
-              <a:rPr lang="en-US" dirty="0" smtClean="0"/>
+              <a:rPr lang="en-US" dirty="0"/>
               <a:t>Trees, Forests, Boosting, etc.</a:t>
             </a:r>
             <a:endParaRPr lang="he-IL" dirty="0"/>
@@ -13767,7 +13734,7 @@
           <a:lstStyle/>
           <a:p>
             <a:r>
-              <a:rPr lang="en-US" dirty="0" smtClean="0"/>
+              <a:rPr lang="en-US" dirty="0"/>
               <a:t>Logistics Regression</a:t>
             </a:r>
             <a:endParaRPr lang="he-IL" dirty="0"/>
@@ -13809,7 +13776,7 @@
           <a:lstStyle/>
           <a:p>
             <a:r>
-              <a:rPr lang="en-US" smtClean="0"/>
+              <a:rPr lang="en-US"/>
               <a:t>Materials by Adi Sarid https://adisarid.github.io and http://www.sarid-ins.com</a:t>
             </a:r>
             <a:endParaRPr lang="en-US" dirty="0"/>
@@ -15062,7 +15029,7 @@
           <a:lstStyle/>
           <a:p>
             <a:r>
-              <a:rPr lang="en-US" dirty="0" smtClean="0"/>
+              <a:rPr lang="en-US" dirty="0"/>
               <a:t>Discriminant Analysis</a:t>
             </a:r>
             <a:endParaRPr lang="he-IL" dirty="0"/>
@@ -15192,15 +15159,15 @@
           <a:lstStyle/>
           <a:p>
             <a:r>
-              <a:rPr lang="en-US" dirty="0" smtClean="0"/>
+              <a:rPr lang="en-US" dirty="0"/>
               <a:t>Linear discriminant analysis</a:t>
             </a:r>
             <a:endParaRPr lang="he-IL" dirty="0"/>
           </a:p>
         </p:txBody>
       </p:sp>
-      <mc:AlternateContent xmlns:mc="http://schemas.openxmlformats.org/markup-compatibility/2006">
-        <mc:Choice xmlns:a14="http://schemas.microsoft.com/office/drawing/2010/main" Requires="a14">
+      <mc:AlternateContent xmlns:mc="http://schemas.openxmlformats.org/markup-compatibility/2006" xmlns:a14="http://schemas.microsoft.com/office/drawing/2010/main">
+        <mc:Choice Requires="a14">
           <p:sp>
             <p:nvSpPr>
               <p:cNvPr id="7" name="Content Placeholder 6"/>
@@ -15227,7 +15194,7 @@
                   </a:lnSpc>
                 </a:pPr>
                 <a:r>
-                  <a:rPr lang="en-US" dirty="0" smtClean="0"/>
+                  <a:rPr lang="en-US" dirty="0"/>
                   <a:t>Instead of assuming a logit-linear model (logistic regression), we may consider an alternative approach</a:t>
                 </a:r>
               </a:p>
@@ -15238,7 +15205,7 @@
                   </a:lnSpc>
                 </a:pPr>
                 <a:r>
-                  <a:rPr lang="en-US" dirty="0" smtClean="0"/>
+                  <a:rPr lang="en-US" dirty="0"/>
                   <a:t>Does not assume a linear relationship</a:t>
                 </a:r>
               </a:p>
@@ -15249,22 +15216,22 @@
                   </a:lnSpc>
                 </a:pPr>
                 <a:r>
-                  <a:rPr lang="en-US" dirty="0" smtClean="0"/>
+                  <a:rPr lang="en-US" dirty="0"/>
                   <a:t>Model the </a:t>
                 </a:r>
                 <a:r>
-                  <a:rPr lang="en-US" i="1" dirty="0" smtClean="0"/>
+                  <a:rPr lang="en-US" i="1" dirty="0"/>
                   <a:t>X</a:t>
                 </a:r>
                 <a:r>
-                  <a:rPr lang="en-US" dirty="0" smtClean="0"/>
+                  <a:rPr lang="en-US" dirty="0"/>
                   <a:t> per each class of response variable </a:t>
                 </a:r>
                 <a:r>
-                  <a:rPr lang="en-US" i="1" dirty="0" smtClean="0"/>
+                  <a:rPr lang="en-US" i="1" dirty="0"/>
                   <a:t>Y</a:t>
                 </a:r>
-                <a:endParaRPr lang="en-US" dirty="0" smtClean="0"/>
+                <a:endParaRPr lang="en-US" dirty="0"/>
               </a:p>
               <a:p>
                 <a:pPr>
@@ -15273,7 +15240,7 @@
                   </a:lnSpc>
                 </a:pPr>
                 <a:r>
-                  <a:rPr lang="en-US" dirty="0" smtClean="0"/>
+                  <a:rPr lang="en-US" dirty="0"/>
                   <a:t>Use Bayes’ theorem to flip the estimates into </a:t>
                 </a:r>
                 <a14:m>
@@ -15355,12 +15322,12 @@
                     </m:func>
                   </m:oMath>
                 </a14:m>
-                <a:endParaRPr lang="en-US" dirty="0" smtClean="0"/>
+                <a:endParaRPr lang="en-US" dirty="0"/>
               </a:p>
             </p:txBody>
           </p:sp>
         </mc:Choice>
-        <mc:Fallback>
+        <mc:Fallback xmlns="">
           <p:sp>
             <p:nvSpPr>
               <p:cNvPr id="7" name="Content Placeholder 6"/>
@@ -15414,7 +15381,7 @@
           <a:lstStyle/>
           <a:p>
             <a:r>
-              <a:rPr lang="en-US" smtClean="0"/>
+              <a:rPr lang="en-US"/>
               <a:t>Materials by Adi Sarid https://adisarid.github.io and http://www.sarid-ins.com</a:t>
             </a:r>
             <a:endParaRPr lang="en-US" dirty="0"/>
